--- a/3rd_week/Seminar_3rd_week_feedback.pptx
+++ b/3rd_week/Seminar_3rd_week_feedback.pptx
@@ -5914,7 +5914,7 @@
                 <a:latin typeface="HY헤드라인M" panose="02030600000101010101" pitchFamily="18" charset="-127"/>
                 <a:ea typeface="HY헤드라인M" panose="02030600000101010101" pitchFamily="18" charset="-127"/>
               </a:rPr>
-              <a:t>8/8</a:t>
+              <a:t>9/9</a:t>
             </a:r>
             <a:endParaRPr lang="ko-KR" altLang="en-US" sz="1400" dirty="0">
               <a:latin typeface="HY헤드라인M" panose="02030600000101010101" pitchFamily="18" charset="-127"/>
@@ -6049,7 +6049,7 @@
                 <a:latin typeface="HY헤드라인M" panose="02030600000101010101" pitchFamily="18" charset="-127"/>
                 <a:ea typeface="HY헤드라인M" panose="02030600000101010101" pitchFamily="18" charset="-127"/>
               </a:rPr>
-              <a:t>1/8</a:t>
+              <a:t>1/9</a:t>
             </a:r>
             <a:endParaRPr lang="ko-KR" altLang="en-US" sz="1400" dirty="0">
               <a:latin typeface="HY헤드라인M" panose="02030600000101010101" pitchFamily="18" charset="-127"/>
@@ -9604,7 +9604,7 @@
                 <a:latin typeface="HY헤드라인M" panose="02030600000101010101" pitchFamily="18" charset="-127"/>
                 <a:ea typeface="HY헤드라인M" panose="02030600000101010101" pitchFamily="18" charset="-127"/>
               </a:rPr>
-              <a:t>1/8</a:t>
+              <a:t>2/9</a:t>
             </a:r>
             <a:endParaRPr lang="ko-KR" altLang="en-US" sz="1400" dirty="0">
               <a:latin typeface="HY헤드라인M" panose="02030600000101010101" pitchFamily="18" charset="-127"/>
@@ -11128,7 +11128,7 @@
                 <a:latin typeface="HY헤드라인M" panose="02030600000101010101" pitchFamily="18" charset="-127"/>
                 <a:ea typeface="HY헤드라인M" panose="02030600000101010101" pitchFamily="18" charset="-127"/>
               </a:rPr>
-              <a:t>1/8</a:t>
+              <a:t>3/9</a:t>
             </a:r>
             <a:endParaRPr lang="ko-KR" altLang="en-US" sz="1400" dirty="0">
               <a:latin typeface="HY헤드라인M" panose="02030600000101010101" pitchFamily="18" charset="-127"/>
@@ -13671,7 +13671,7 @@
                 <a:latin typeface="HY헤드라인M" panose="02030600000101010101" pitchFamily="18" charset="-127"/>
                 <a:ea typeface="HY헤드라인M" panose="02030600000101010101" pitchFamily="18" charset="-127"/>
               </a:rPr>
-              <a:t>1/8</a:t>
+              <a:t>4/9</a:t>
             </a:r>
             <a:endParaRPr lang="ko-KR" altLang="en-US" sz="1400" dirty="0">
               <a:latin typeface="HY헤드라인M" panose="02030600000101010101" pitchFamily="18" charset="-127"/>
@@ -15876,7 +15876,7 @@
                 <a:latin typeface="HY헤드라인M" panose="02030600000101010101" pitchFamily="18" charset="-127"/>
                 <a:ea typeface="HY헤드라인M" panose="02030600000101010101" pitchFamily="18" charset="-127"/>
               </a:rPr>
-              <a:t>6/8</a:t>
+              <a:t>5/9</a:t>
             </a:r>
             <a:endParaRPr lang="ko-KR" altLang="en-US" sz="1400" dirty="0">
               <a:latin typeface="HY헤드라인M" panose="02030600000101010101" pitchFamily="18" charset="-127"/>
@@ -18222,7 +18222,7 @@
                 <a:latin typeface="HY헤드라인M" panose="02030600000101010101" pitchFamily="18" charset="-127"/>
                 <a:ea typeface="HY헤드라인M" panose="02030600000101010101" pitchFamily="18" charset="-127"/>
               </a:rPr>
-              <a:t>6/8</a:t>
+              <a:t>6/9</a:t>
             </a:r>
             <a:endParaRPr lang="ko-KR" altLang="en-US" sz="1400" dirty="0">
               <a:latin typeface="HY헤드라인M" panose="02030600000101010101" pitchFamily="18" charset="-127"/>
@@ -20440,7 +20440,7 @@
                 <a:latin typeface="HY헤드라인M" panose="02030600000101010101" pitchFamily="18" charset="-127"/>
                 <a:ea typeface="HY헤드라인M" panose="02030600000101010101" pitchFamily="18" charset="-127"/>
               </a:rPr>
-              <a:t>7/8</a:t>
+              <a:t>7/9</a:t>
             </a:r>
             <a:endParaRPr lang="ko-KR" altLang="en-US" sz="1400" dirty="0">
               <a:latin typeface="HY헤드라인M" panose="02030600000101010101" pitchFamily="18" charset="-127"/>
@@ -25462,7 +25462,7 @@
                 <a:latin typeface="HY헤드라인M" panose="02030600000101010101" pitchFamily="18" charset="-127"/>
                 <a:ea typeface="HY헤드라인M" panose="02030600000101010101" pitchFamily="18" charset="-127"/>
               </a:rPr>
-              <a:t>7/8</a:t>
+              <a:t>8/9</a:t>
             </a:r>
             <a:endParaRPr lang="ko-KR" altLang="en-US" sz="1400" dirty="0">
               <a:latin typeface="HY헤드라인M" panose="02030600000101010101" pitchFamily="18" charset="-127"/>
